--- a/Data Structures & Algorithms/Chapter 3/Abstract Data Structures/Stack/Basic Data structures & Stacks.pptx
+++ b/Data Structures & Algorithms/Chapter 3/Abstract Data Structures/Stack/Basic Data structures & Stacks.pptx
@@ -118,7 +118,16 @@
       </a:defRPr>
     </a:lvl9pPr>
   </p:defaultTextStyle>
+  <p:extLst>
+    <p:ext uri="{EFAFB233-063F-42B5-8137-9DF3F51BA10A}">
+      <p15:sldGuideLst xmlns:p15="http://schemas.microsoft.com/office/powerpoint/2012/main"/>
+    </p:ext>
+  </p:extLst>
 </p:presentation>
+</file>
+
+<file path=ppt/revisionInfo.xml><?xml version="1.0" encoding="utf-8"?>
+<p1510:revInfo xmlns:a="http://schemas.openxmlformats.org/drawingml/2006/main" xmlns:r="http://schemas.openxmlformats.org/officeDocument/2006/relationships" xmlns:p1510="http://schemas.microsoft.com/office/powerpoint/2015/10/main"/>
 </file>
 
 <file path=ppt/diagrams/colors1.xml><?xml version="1.0" encoding="utf-8"?>
@@ -29750,7 +29759,7 @@
           <a:p>
             <a:fld id="{6AD6EE87-EBD5-4F12-A48A-63ACA297AC8F}" type="datetimeFigureOut">
               <a:rPr lang="en-US" dirty="0"/>
-              <a:t>7/18/2017</a:t>
+              <a:t>8/16/2017</a:t>
             </a:fld>
             <a:endParaRPr lang="en-US" dirty="0"/>
           </a:p>
@@ -29952,7 +29961,7 @@
           <a:p>
             <a:fld id="{4CD73815-2707-4475-8F1A-B873CB631BB4}" type="datetimeFigureOut">
               <a:rPr lang="en-US" dirty="0"/>
-              <a:t>7/18/2017</a:t>
+              <a:t>8/16/2017</a:t>
             </a:fld>
             <a:endParaRPr lang="en-US" dirty="0"/>
           </a:p>
@@ -30127,7 +30136,7 @@
           <a:p>
             <a:fld id="{2A4AFB99-0EAB-4182-AFF8-E214C82A68F6}" type="datetimeFigureOut">
               <a:rPr lang="en-US" dirty="0"/>
-              <a:t>7/18/2017</a:t>
+              <a:t>8/16/2017</a:t>
             </a:fld>
             <a:endParaRPr lang="en-US" dirty="0"/>
           </a:p>
@@ -30327,7 +30336,7 @@
           <a:p>
             <a:fld id="{A5D3794B-289A-4A80-97D7-111025398D45}" type="datetimeFigureOut">
               <a:rPr lang="en-US" dirty="0"/>
-              <a:t>7/18/2017</a:t>
+              <a:t>8/16/2017</a:t>
             </a:fld>
             <a:endParaRPr lang="en-US" dirty="0"/>
           </a:p>
@@ -39220,7 +39229,7 @@
           <a:p>
             <a:fld id="{5A61015F-7CC6-4D0A-9D87-873EA4C304CC}" type="datetimeFigureOut">
               <a:rPr lang="en-US" dirty="0"/>
-              <a:t>7/18/2017</a:t>
+              <a:t>8/16/2017</a:t>
             </a:fld>
             <a:endParaRPr lang="en-US" dirty="0"/>
           </a:p>
@@ -39489,7 +39498,7 @@
           <a:p>
             <a:fld id="{93C6A301-0538-44EC-B09D-202E1042A48B}" type="datetimeFigureOut">
               <a:rPr lang="en-US" dirty="0"/>
-              <a:t>7/18/2017</a:t>
+              <a:t>8/16/2017</a:t>
             </a:fld>
             <a:endParaRPr lang="en-US" dirty="0"/>
           </a:p>
@@ -39882,7 +39891,7 @@
           <a:p>
             <a:fld id="{D789574A-8875-45EF-8EA2-3CAA0F7ABC4C}" type="datetimeFigureOut">
               <a:rPr lang="en-US" dirty="0"/>
-              <a:t>7/18/2017</a:t>
+              <a:t>8/16/2017</a:t>
             </a:fld>
             <a:endParaRPr lang="en-US" dirty="0"/>
           </a:p>
@@ -39995,7 +40004,7 @@
           <a:p>
             <a:fld id="{67EF4D4C-5367-4C26-9E2B-D8088D7FCA81}" type="datetimeFigureOut">
               <a:rPr lang="en-US" dirty="0"/>
-              <a:t>7/18/2017</a:t>
+              <a:t>8/16/2017</a:t>
             </a:fld>
             <a:endParaRPr lang="en-US" dirty="0"/>
           </a:p>
@@ -40085,7 +40094,7 @@
           <a:p>
             <a:fld id="{56E91E96-98B0-4413-9547-46F3504108EF}" type="datetimeFigureOut">
               <a:rPr lang="en-US" dirty="0"/>
-              <a:t>7/18/2017</a:t>
+              <a:t>8/16/2017</a:t>
             </a:fld>
             <a:endParaRPr lang="en-US" dirty="0"/>
           </a:p>
@@ -40370,7 +40379,7 @@
           <a:p>
             <a:fld id="{05C68B11-C5A8-448C-8CE9-B1A273C79CFC}" type="datetimeFigureOut">
               <a:rPr lang="en-US" dirty="0"/>
-              <a:t>7/18/2017</a:t>
+              <a:t>8/16/2017</a:t>
             </a:fld>
             <a:endParaRPr lang="en-US" dirty="0"/>
           </a:p>
@@ -40645,7 +40654,7 @@
           <a:p>
             <a:fld id="{C7616CA0-919D-4A49-9C8A-62FDFB3A5183}" type="datetimeFigureOut">
               <a:rPr lang="en-US" dirty="0"/>
-              <a:t>7/18/2017</a:t>
+              <a:t>8/16/2017</a:t>
             </a:fld>
             <a:endParaRPr lang="en-US" dirty="0"/>
           </a:p>
@@ -40891,7 +40900,7 @@
             <a:fld id="{90298CD5-6C1E-4009-B41F-6DF62E31D3BE}" type="datetimeFigureOut">
               <a:rPr lang="en-US" dirty="0"/>
               <a:pPr/>
-              <a:t>7/18/2017</a:t>
+              <a:t>8/16/2017</a:t>
             </a:fld>
             <a:endParaRPr lang="en-US" dirty="0"/>
           </a:p>
@@ -42471,15 +42480,7 @@
           <a:p>
             <a:r>
               <a:rPr lang="en-US" dirty="0"/>
-              <a:t>Post the </a:t>
-            </a:r>
-            <a:r>
-              <a:rPr lang="en-US" dirty="0" err="1"/>
-              <a:t>Github</a:t>
-            </a:r>
-            <a:r>
-              <a:rPr lang="en-US" dirty="0"/>
-              <a:t> Link</a:t>
+              <a:t>https://github.com/vivek14632/Python-Workshop/tree/master/Data%20Structures%20%26%20Algorithms/Chapter%203/Abstract%20Data%20Structures/Stack</a:t>
             </a:r>
           </a:p>
         </p:txBody>
